--- a/Book-PPT/Chap1.pptx
+++ b/Book-PPT/Chap1.pptx
@@ -521,7 +521,7 @@
           <a:p>
             <a:fld id="{0E6BA319-05E9-49EE-8F99-CA1240CA2757}" type="datetimeFigureOut">
               <a:rPr lang="en-US" smtClean="0"/>
-              <a:t>7/25/2016</a:t>
+              <a:t>1/4/2017</a:t>
             </a:fld>
             <a:endParaRPr lang="en-US"/>
           </a:p>
@@ -725,7 +725,7 @@
           <a:p>
             <a:fld id="{0E6BA319-05E9-49EE-8F99-CA1240CA2757}" type="datetimeFigureOut">
               <a:rPr lang="en-US" smtClean="0"/>
-              <a:t>7/25/2016</a:t>
+              <a:t>1/4/2017</a:t>
             </a:fld>
             <a:endParaRPr lang="en-US"/>
           </a:p>
@@ -1480,7 +1480,7 @@
           <a:p>
             <a:fld id="{0E6BA319-05E9-49EE-8F99-CA1240CA2757}" type="datetimeFigureOut">
               <a:rPr lang="en-US" smtClean="0"/>
-              <a:t>7/25/2016</a:t>
+              <a:t>1/4/2017</a:t>
             </a:fld>
             <a:endParaRPr lang="en-US"/>
           </a:p>
@@ -1736,7 +1736,7 @@
           <a:p>
             <a:fld id="{0E6BA319-05E9-49EE-8F99-CA1240CA2757}" type="datetimeFigureOut">
               <a:rPr lang="en-US" smtClean="0"/>
-              <a:t>7/25/2016</a:t>
+              <a:t>1/4/2017</a:t>
             </a:fld>
             <a:endParaRPr lang="en-US"/>
           </a:p>
@@ -2127,7 +2127,7 @@
           <a:p>
             <a:fld id="{0E6BA319-05E9-49EE-8F99-CA1240CA2757}" type="datetimeFigureOut">
               <a:rPr lang="en-US" smtClean="0"/>
-              <a:t>7/25/2016</a:t>
+              <a:t>1/4/2017</a:t>
             </a:fld>
             <a:endParaRPr lang="en-US"/>
           </a:p>
@@ -2269,7 +2269,7 @@
           <a:p>
             <a:fld id="{0E6BA319-05E9-49EE-8F99-CA1240CA2757}" type="datetimeFigureOut">
               <a:rPr lang="en-US" smtClean="0"/>
-              <a:t>7/25/2016</a:t>
+              <a:t>1/4/2017</a:t>
             </a:fld>
             <a:endParaRPr lang="en-US"/>
           </a:p>
@@ -2388,7 +2388,7 @@
           <a:p>
             <a:fld id="{0E6BA319-05E9-49EE-8F99-CA1240CA2757}" type="datetimeFigureOut">
               <a:rPr lang="en-US" smtClean="0"/>
-              <a:t>7/25/2016</a:t>
+              <a:t>1/4/2017</a:t>
             </a:fld>
             <a:endParaRPr lang="en-US"/>
           </a:p>
@@ -2689,7 +2689,7 @@
           <a:p>
             <a:fld id="{0E6BA319-05E9-49EE-8F99-CA1240CA2757}" type="datetimeFigureOut">
               <a:rPr lang="en-US" smtClean="0"/>
-              <a:t>7/25/2016</a:t>
+              <a:t>1/4/2017</a:t>
             </a:fld>
             <a:endParaRPr lang="en-US"/>
           </a:p>
@@ -2966,7 +2966,7 @@
           <a:p>
             <a:fld id="{0E6BA319-05E9-49EE-8F99-CA1240CA2757}" type="datetimeFigureOut">
               <a:rPr lang="en-US" smtClean="0"/>
-              <a:t>7/25/2016</a:t>
+              <a:t>1/4/2017</a:t>
             </a:fld>
             <a:endParaRPr lang="en-US"/>
           </a:p>
@@ -3658,6 +3658,15 @@
             <a:endParaRPr lang="en-US" sz="1500" dirty="0"/>
           </a:p>
           <a:p>
+            <a:pPr lvl="1"/>
+            <a:r>
+              <a:rPr lang="en-US" dirty="0" smtClean="0"/>
+              <a:t>You do need a </a:t>
+            </a:r>
+            <a:r>
+              <a:rPr lang="en-US" smtClean="0"/>
+              <a:t>math library</a:t>
+            </a:r>
             <a:endParaRPr lang="en-US" dirty="0"/>
           </a:p>
         </p:txBody>
@@ -3917,15 +3926,7 @@
             <a:pPr lvl="2"/>
             <a:r>
               <a:rPr lang="en-US" dirty="0" smtClean="0"/>
-              <a:t>Maintain, </a:t>
-            </a:r>
-            <a:r>
-              <a:rPr lang="en-US" dirty="0" smtClean="0"/>
-              <a:t>Refine </a:t>
-            </a:r>
-            <a:r>
-              <a:rPr lang="en-US" dirty="0" smtClean="0"/>
-              <a:t>(improve what’s there), Expand (support additional functionality)</a:t>
+              <a:t>Maintain, Refine (improve what’s there), Expand (support additional functionality)</a:t>
             </a:r>
           </a:p>
           <a:p>
@@ -4173,45 +4174,63 @@
           <a:p>
             <a:r>
               <a:rPr lang="en-US" dirty="0" smtClean="0"/>
-              <a:t>Collision </a:t>
+              <a:t>Camera Manipulation</a:t>
+            </a:r>
+          </a:p>
+          <a:p>
+            <a:r>
+              <a:rPr lang="en-US" dirty="0" smtClean="0"/>
+              <a:t>Illumination:</a:t>
+            </a:r>
+          </a:p>
+          <a:p>
+            <a:pPr lvl="1"/>
+            <a:r>
+              <a:rPr lang="en-US" dirty="0" smtClean="0"/>
+              <a:t>Lighting effects, shadows</a:t>
+            </a:r>
+            <a:endParaRPr lang="en-US" dirty="0"/>
+          </a:p>
+          <a:p>
+            <a:r>
+              <a:rPr lang="en-US" dirty="0" smtClean="0"/>
+              <a:t>Physics:</a:t>
+            </a:r>
+          </a:p>
+          <a:p>
+            <a:pPr lvl="1"/>
+            <a:r>
+              <a:rPr lang="en-US" dirty="0" smtClean="0"/>
+              <a:t>Collision detection</a:t>
             </a:r>
             <a:r>
               <a:rPr lang="en-US" dirty="0"/>
-              <a:t>detection: per-pixel accurate?</a:t>
-            </a:r>
-          </a:p>
-          <a:p>
-            <a:r>
-              <a:rPr lang="en-US" dirty="0" smtClean="0"/>
-              <a:t>Illumination</a:t>
-            </a:r>
-            <a:r>
-              <a:rPr lang="en-US" dirty="0"/>
-              <a:t>, shadow of objects</a:t>
-            </a:r>
-          </a:p>
-          <a:p>
-            <a:r>
-              <a:rPr lang="en-US" dirty="0" smtClean="0"/>
-              <a:t>Physical </a:t>
-            </a:r>
-            <a:r>
-              <a:rPr lang="en-US" dirty="0"/>
-              <a:t>responses</a:t>
-            </a:r>
-          </a:p>
-          <a:p>
-            <a:r>
-              <a:rPr lang="en-US" dirty="0" smtClean="0"/>
-              <a:t>Special </a:t>
-            </a:r>
-            <a:r>
-              <a:rPr lang="en-US" dirty="0"/>
-              <a:t>effects like </a:t>
-            </a:r>
-            <a:r>
-              <a:rPr lang="en-US" dirty="0" smtClean="0"/>
-              <a:t>explosion</a:t>
+              <a:t>: per-pixel accurate</a:t>
+            </a:r>
+            <a:r>
+              <a:rPr lang="en-US" dirty="0" smtClean="0"/>
+              <a:t>?</a:t>
+            </a:r>
+          </a:p>
+          <a:p>
+            <a:pPr lvl="1"/>
+            <a:r>
+              <a:rPr lang="en-US" dirty="0" smtClean="0"/>
+              <a:t>Collision responses</a:t>
+            </a:r>
+            <a:endParaRPr lang="en-US" dirty="0"/>
+          </a:p>
+          <a:p>
+            <a:r>
+              <a:rPr lang="en-US" dirty="0" smtClean="0"/>
+              <a:t>Special effects</a:t>
+            </a:r>
+          </a:p>
+          <a:p>
+            <a:pPr lvl="1"/>
+            <a:r>
+              <a:rPr lang="en-US" dirty="0" smtClean="0"/>
+              <a:t>Fire, Explosion, Water</a:t>
             </a:r>
             <a:endParaRPr lang="en-US" dirty="0"/>
           </a:p>
@@ -4264,7 +4283,11 @@
           <a:p>
             <a:r>
               <a:rPr lang="en-US" dirty="0" smtClean="0"/>
-              <a:t>What about software architecture?</a:t>
+              <a:t>What about </a:t>
+            </a:r>
+            <a:r>
+              <a:rPr lang="en-US" dirty="0" smtClean="0"/>
+              <a:t>as a software system?</a:t>
             </a:r>
             <a:endParaRPr lang="en-US" dirty="0"/>
           </a:p>
@@ -4287,44 +4310,78 @@
           <a:p>
             <a:r>
               <a:rPr lang="en-US" dirty="0"/>
-              <a:t>Utility objects: Random, Interpolate, Shake</a:t>
-            </a:r>
-            <a:endParaRPr lang="en-US" sz="1850" dirty="0"/>
-          </a:p>
-          <a:p>
+              <a:t>Commonly used utility objects: </a:t>
+            </a:r>
+          </a:p>
+          <a:p>
+            <a:pPr lvl="1"/>
             <a:r>
               <a:rPr lang="en-US" dirty="0"/>
-              <a:t>Abstraction to relieve from details: Transforms, Materials, Cameras</a:t>
-            </a:r>
-            <a:endParaRPr lang="en-US" sz="1850" dirty="0"/>
-          </a:p>
-          <a:p>
+              <a:t>Random, Interpolate, Shake</a:t>
+            </a:r>
+            <a:endParaRPr lang="en-US" sz="1450" dirty="0"/>
+          </a:p>
+          <a:p>
+            <a:r>
+              <a:rPr lang="en-US" dirty="0" smtClean="0"/>
+              <a:t>Functions </a:t>
+            </a:r>
             <a:r>
               <a:rPr lang="en-US" dirty="0"/>
-              <a:t>Functions to relieve from </a:t>
-            </a:r>
-            <a:r>
-              <a:rPr lang="en-US" smtClean="0"/>
-              <a:t>math details: </a:t>
+              <a:t>to relieve from math </a:t>
+            </a:r>
+            <a:r>
+              <a:rPr lang="en-US" dirty="0" smtClean="0"/>
+              <a:t>details:</a:t>
+            </a:r>
+          </a:p>
+          <a:p>
+            <a:pPr lvl="1"/>
+            <a:r>
+              <a:rPr lang="en-US" dirty="0" smtClean="0"/>
+              <a:t>Chase</a:t>
             </a:r>
             <a:r>
               <a:rPr lang="en-US" dirty="0"/>
-              <a:t>Chase</a:t>
-            </a:r>
-            <a:r>
-              <a:rPr lang="en-US"/>
               <a:t>, </a:t>
             </a:r>
             <a:r>
-              <a:rPr lang="en-US" smtClean="0"/>
+              <a:rPr lang="en-US" dirty="0" smtClean="0"/>
               <a:t>Follow</a:t>
             </a:r>
-            <a:endParaRPr lang="en-US" sz="1850" dirty="0"/>
-          </a:p>
-          <a:p>
+            <a:endParaRPr lang="en-US" sz="1450" dirty="0"/>
+          </a:p>
+          <a:p>
+            <a:r>
+              <a:rPr lang="en-US" dirty="0" smtClean="0"/>
+              <a:t>Abstraction </a:t>
+            </a:r>
             <a:r>
               <a:rPr lang="en-US" dirty="0"/>
-              <a:t>Object hierarchy to facility reuse</a:t>
+              <a:t>to relieve from details: </a:t>
+            </a:r>
+            <a:endParaRPr lang="en-US" dirty="0" smtClean="0"/>
+          </a:p>
+          <a:p>
+            <a:pPr lvl="1"/>
+            <a:r>
+              <a:rPr lang="en-US" dirty="0" smtClean="0"/>
+              <a:t>Transforms</a:t>
+            </a:r>
+            <a:r>
+              <a:rPr lang="en-US" dirty="0"/>
+              <a:t>, Materials, Cameras</a:t>
+            </a:r>
+            <a:endParaRPr lang="en-US" sz="1450" dirty="0"/>
+          </a:p>
+          <a:p>
+            <a:r>
+              <a:rPr lang="en-US" dirty="0" smtClean="0"/>
+              <a:t>Object </a:t>
+            </a:r>
+            <a:r>
+              <a:rPr lang="en-US" dirty="0"/>
+              <a:t>hierarchy to facility reuse</a:t>
             </a:r>
             <a:endParaRPr lang="en-US" sz="1850" dirty="0"/>
           </a:p>
@@ -4427,8 +4484,13 @@
             </a:r>
             <a:r>
               <a:rPr lang="en-US" dirty="0" smtClean="0"/>
-              <a:t>programming model</a:t>
-            </a:r>
+              <a:t>programming </a:t>
+            </a:r>
+            <a:r>
+              <a:rPr lang="en-US" dirty="0" smtClean="0"/>
+              <a:t>API</a:t>
+            </a:r>
+            <a:endParaRPr lang="en-US" dirty="0" smtClean="0"/>
           </a:p>
           <a:p>
             <a:r>
@@ -4763,8 +4825,13 @@
             <a:pPr lvl="1"/>
             <a:r>
               <a:rPr lang="en-US" dirty="0"/>
-              <a:t>I know WebGL (barely), do not know anything else</a:t>
-            </a:r>
+              <a:t>I know WebGL (barely), do not know </a:t>
+            </a:r>
+            <a:r>
+              <a:rPr lang="en-US" dirty="0" smtClean="0"/>
+              <a:t>JavaScript or HTML5</a:t>
+            </a:r>
+            <a:endParaRPr lang="en-US" dirty="0"/>
           </a:p>
         </p:txBody>
       </p:sp>

--- a/Book-PPT/Chap1.pptx
+++ b/Book-PPT/Chap1.pptx
@@ -521,7 +521,7 @@
           <a:p>
             <a:fld id="{0E6BA319-05E9-49EE-8F99-CA1240CA2757}" type="datetimeFigureOut">
               <a:rPr lang="en-US" smtClean="0"/>
-              <a:t>1/4/2017</a:t>
+              <a:t>1/3/2018</a:t>
             </a:fld>
             <a:endParaRPr lang="en-US"/>
           </a:p>
@@ -725,7 +725,7 @@
           <a:p>
             <a:fld id="{0E6BA319-05E9-49EE-8F99-CA1240CA2757}" type="datetimeFigureOut">
               <a:rPr lang="en-US" smtClean="0"/>
-              <a:t>1/4/2017</a:t>
+              <a:t>1/3/2018</a:t>
             </a:fld>
             <a:endParaRPr lang="en-US"/>
           </a:p>
@@ -1480,7 +1480,7 @@
           <a:p>
             <a:fld id="{0E6BA319-05E9-49EE-8F99-CA1240CA2757}" type="datetimeFigureOut">
               <a:rPr lang="en-US" smtClean="0"/>
-              <a:t>1/4/2017</a:t>
+              <a:t>1/3/2018</a:t>
             </a:fld>
             <a:endParaRPr lang="en-US"/>
           </a:p>
@@ -1736,7 +1736,7 @@
           <a:p>
             <a:fld id="{0E6BA319-05E9-49EE-8F99-CA1240CA2757}" type="datetimeFigureOut">
               <a:rPr lang="en-US" smtClean="0"/>
-              <a:t>1/4/2017</a:t>
+              <a:t>1/3/2018</a:t>
             </a:fld>
             <a:endParaRPr lang="en-US"/>
           </a:p>
@@ -2127,7 +2127,7 @@
           <a:p>
             <a:fld id="{0E6BA319-05E9-49EE-8F99-CA1240CA2757}" type="datetimeFigureOut">
               <a:rPr lang="en-US" smtClean="0"/>
-              <a:t>1/4/2017</a:t>
+              <a:t>1/3/2018</a:t>
             </a:fld>
             <a:endParaRPr lang="en-US"/>
           </a:p>
@@ -2269,7 +2269,7 @@
           <a:p>
             <a:fld id="{0E6BA319-05E9-49EE-8F99-CA1240CA2757}" type="datetimeFigureOut">
               <a:rPr lang="en-US" smtClean="0"/>
-              <a:t>1/4/2017</a:t>
+              <a:t>1/3/2018</a:t>
             </a:fld>
             <a:endParaRPr lang="en-US"/>
           </a:p>
@@ -2388,7 +2388,7 @@
           <a:p>
             <a:fld id="{0E6BA319-05E9-49EE-8F99-CA1240CA2757}" type="datetimeFigureOut">
               <a:rPr lang="en-US" smtClean="0"/>
-              <a:t>1/4/2017</a:t>
+              <a:t>1/3/2018</a:t>
             </a:fld>
             <a:endParaRPr lang="en-US"/>
           </a:p>
@@ -2689,7 +2689,7 @@
           <a:p>
             <a:fld id="{0E6BA319-05E9-49EE-8F99-CA1240CA2757}" type="datetimeFigureOut">
               <a:rPr lang="en-US" smtClean="0"/>
-              <a:t>1/4/2017</a:t>
+              <a:t>1/3/2018</a:t>
             </a:fld>
             <a:endParaRPr lang="en-US"/>
           </a:p>
@@ -2966,7 +2966,7 @@
           <a:p>
             <a:fld id="{0E6BA319-05E9-49EE-8F99-CA1240CA2757}" type="datetimeFigureOut">
               <a:rPr lang="en-US" smtClean="0"/>
-              <a:t>1/4/2017</a:t>
+              <a:t>1/3/2018</a:t>
             </a:fld>
             <a:endParaRPr lang="en-US"/>
           </a:p>
@@ -3644,6 +3644,14 @@
               <a:rPr lang="en-US" dirty="0" err="1" smtClean="0"/>
               <a:t>JSLint</a:t>
             </a:r>
+            <a:r>
+              <a:rPr lang="en-US" dirty="0" smtClean="0"/>
+              <a:t> or </a:t>
+            </a:r>
+            <a:r>
+              <a:rPr lang="en-US" smtClean="0"/>
+              <a:t>JSHint</a:t>
+            </a:r>
             <a:endParaRPr lang="en-US" dirty="0" smtClean="0"/>
           </a:p>
           <a:p>
@@ -3661,11 +3669,7 @@
             <a:pPr lvl="1"/>
             <a:r>
               <a:rPr lang="en-US" dirty="0" smtClean="0"/>
-              <a:t>You do need a </a:t>
-            </a:r>
-            <a:r>
-              <a:rPr lang="en-US" smtClean="0"/>
-              <a:t>math library</a:t>
+              <a:t>You do need a math library</a:t>
             </a:r>
             <a:endParaRPr lang="en-US" dirty="0"/>
           </a:p>
@@ -4283,11 +4287,7 @@
           <a:p>
             <a:r>
               <a:rPr lang="en-US" dirty="0" smtClean="0"/>
-              <a:t>What about </a:t>
-            </a:r>
-            <a:r>
-              <a:rPr lang="en-US" dirty="0" smtClean="0"/>
-              <a:t>as a software system?</a:t>
+              <a:t>What about as a software system?</a:t>
             </a:r>
             <a:endParaRPr lang="en-US" dirty="0"/>
           </a:p>
@@ -4484,13 +4484,8 @@
             </a:r>
             <a:r>
               <a:rPr lang="en-US" dirty="0" smtClean="0"/>
-              <a:t>programming </a:t>
-            </a:r>
-            <a:r>
-              <a:rPr lang="en-US" dirty="0" smtClean="0"/>
-              <a:t>API</a:t>
-            </a:r>
-            <a:endParaRPr lang="en-US" dirty="0" smtClean="0"/>
+              <a:t>programming API</a:t>
+            </a:r>
           </a:p>
           <a:p>
             <a:r>
